--- a/StreamingForexDataWithApacheKafka/images/Step 01.pptx
+++ b/StreamingForexDataWithApacheKafka/images/Step 01.pptx
@@ -104,6 +104,11 @@
       </a:defRPr>
     </a:lvl9pPr>
   </p:defaultTextStyle>
+  <p:extLst>
+    <p:ext uri="{EFAFB233-063F-42B5-8137-9DF3F51BA10A}">
+      <p15:sldGuideLst xmlns:p15="http://schemas.microsoft.com/office/powerpoint/2012/main"/>
+    </p:ext>
+  </p:extLst>
 </p:presentation>
 </file>
 
@@ -254,7 +259,7 @@
           <a:p>
             <a:fld id="{ADB16765-C809-44A8-B3B6-B37889F4518F}" type="datetimeFigureOut">
               <a:rPr lang="en-US" smtClean="0"/>
-              <a:t>7/24/2024</a:t>
+              <a:t>8/1/2024</a:t>
             </a:fld>
             <a:endParaRPr lang="en-US"/>
           </a:p>
@@ -452,7 +457,7 @@
           <a:p>
             <a:fld id="{ADB16765-C809-44A8-B3B6-B37889F4518F}" type="datetimeFigureOut">
               <a:rPr lang="en-US" smtClean="0"/>
-              <a:t>7/24/2024</a:t>
+              <a:t>8/1/2024</a:t>
             </a:fld>
             <a:endParaRPr lang="en-US"/>
           </a:p>
@@ -660,7 +665,7 @@
           <a:p>
             <a:fld id="{ADB16765-C809-44A8-B3B6-B37889F4518F}" type="datetimeFigureOut">
               <a:rPr lang="en-US" smtClean="0"/>
-              <a:t>7/24/2024</a:t>
+              <a:t>8/1/2024</a:t>
             </a:fld>
             <a:endParaRPr lang="en-US"/>
           </a:p>
@@ -858,7 +863,7 @@
           <a:p>
             <a:fld id="{ADB16765-C809-44A8-B3B6-B37889F4518F}" type="datetimeFigureOut">
               <a:rPr lang="en-US" smtClean="0"/>
-              <a:t>7/24/2024</a:t>
+              <a:t>8/1/2024</a:t>
             </a:fld>
             <a:endParaRPr lang="en-US"/>
           </a:p>
@@ -1133,7 +1138,7 @@
           <a:p>
             <a:fld id="{ADB16765-C809-44A8-B3B6-B37889F4518F}" type="datetimeFigureOut">
               <a:rPr lang="en-US" smtClean="0"/>
-              <a:t>7/24/2024</a:t>
+              <a:t>8/1/2024</a:t>
             </a:fld>
             <a:endParaRPr lang="en-US"/>
           </a:p>
@@ -1398,7 +1403,7 @@
           <a:p>
             <a:fld id="{ADB16765-C809-44A8-B3B6-B37889F4518F}" type="datetimeFigureOut">
               <a:rPr lang="en-US" smtClean="0"/>
-              <a:t>7/24/2024</a:t>
+              <a:t>8/1/2024</a:t>
             </a:fld>
             <a:endParaRPr lang="en-US"/>
           </a:p>
@@ -1810,7 +1815,7 @@
           <a:p>
             <a:fld id="{ADB16765-C809-44A8-B3B6-B37889F4518F}" type="datetimeFigureOut">
               <a:rPr lang="en-US" smtClean="0"/>
-              <a:t>7/24/2024</a:t>
+              <a:t>8/1/2024</a:t>
             </a:fld>
             <a:endParaRPr lang="en-US"/>
           </a:p>
@@ -1951,7 +1956,7 @@
           <a:p>
             <a:fld id="{ADB16765-C809-44A8-B3B6-B37889F4518F}" type="datetimeFigureOut">
               <a:rPr lang="en-US" smtClean="0"/>
-              <a:t>7/24/2024</a:t>
+              <a:t>8/1/2024</a:t>
             </a:fld>
             <a:endParaRPr lang="en-US"/>
           </a:p>
@@ -2064,7 +2069,7 @@
           <a:p>
             <a:fld id="{ADB16765-C809-44A8-B3B6-B37889F4518F}" type="datetimeFigureOut">
               <a:rPr lang="en-US" smtClean="0"/>
-              <a:t>7/24/2024</a:t>
+              <a:t>8/1/2024</a:t>
             </a:fld>
             <a:endParaRPr lang="en-US"/>
           </a:p>
@@ -2375,7 +2380,7 @@
           <a:p>
             <a:fld id="{ADB16765-C809-44A8-B3B6-B37889F4518F}" type="datetimeFigureOut">
               <a:rPr lang="en-US" smtClean="0"/>
-              <a:t>7/24/2024</a:t>
+              <a:t>8/1/2024</a:t>
             </a:fld>
             <a:endParaRPr lang="en-US"/>
           </a:p>
@@ -2663,7 +2668,7 @@
           <a:p>
             <a:fld id="{ADB16765-C809-44A8-B3B6-B37889F4518F}" type="datetimeFigureOut">
               <a:rPr lang="en-US" smtClean="0"/>
-              <a:t>7/24/2024</a:t>
+              <a:t>8/1/2024</a:t>
             </a:fld>
             <a:endParaRPr lang="en-US"/>
           </a:p>
@@ -2904,7 +2909,7 @@
           <a:p>
             <a:fld id="{ADB16765-C809-44A8-B3B6-B37889F4518F}" type="datetimeFigureOut">
               <a:rPr lang="en-US" smtClean="0"/>
-              <a:t>7/24/2024</a:t>
+              <a:t>8/1/2024</a:t>
             </a:fld>
             <a:endParaRPr lang="en-US"/>
           </a:p>
@@ -3335,8 +3340,8 @@
         </p:nvSpPr>
         <p:spPr>
           <a:xfrm>
-            <a:off x="2320413" y="4237703"/>
-            <a:ext cx="5673213" cy="1349745"/>
+            <a:off x="1209368" y="3946755"/>
+            <a:ext cx="7718324" cy="1349745"/>
           </a:xfrm>
           <a:prstGeom prst="roundRect">
             <a:avLst/>
@@ -3384,7 +3389,7 @@
         </p:nvGrpSpPr>
         <p:grpSpPr>
           <a:xfrm>
-            <a:off x="3510116" y="823605"/>
+            <a:off x="4444181" y="532657"/>
             <a:ext cx="6479458" cy="3146016"/>
             <a:chOff x="2930013" y="577799"/>
             <a:chExt cx="6479458" cy="3146016"/>
@@ -3490,10 +3495,10 @@
         </p:nvGrpSpPr>
         <p:grpSpPr>
           <a:xfrm>
-            <a:off x="4944310" y="2042652"/>
-            <a:ext cx="740203" cy="1128447"/>
+            <a:off x="5878375" y="1751704"/>
+            <a:ext cx="830035" cy="1405446"/>
             <a:chOff x="4364207" y="1796846"/>
-            <a:chExt cx="740203" cy="1128447"/>
+            <a:chExt cx="830035" cy="1405446"/>
           </a:xfrm>
         </p:grpSpPr>
         <p:pic>
@@ -3547,7 +3552,7 @@
           <p:spPr>
             <a:xfrm>
               <a:off x="4364207" y="2555961"/>
-              <a:ext cx="740203" cy="369332"/>
+              <a:ext cx="830035" cy="646331"/>
             </a:xfrm>
             <a:prstGeom prst="rect">
               <a:avLst/>
@@ -3562,7 +3567,13 @@
             <a:p>
               <a:r>
                 <a:rPr lang="en-US" dirty="0"/>
-                <a:t>Kafka</a:t>
+                <a:t>Kafka </a:t>
+              </a:r>
+            </a:p>
+            <a:p>
+              <a:r>
+                <a:rPr lang="en-US" dirty="0"/>
+                <a:t>Broker</a:t>
               </a:r>
             </a:p>
           </p:txBody>
@@ -3582,7 +3593,7 @@
         </p:nvGrpSpPr>
         <p:grpSpPr>
           <a:xfrm>
-            <a:off x="7086268" y="1762164"/>
+            <a:off x="8020333" y="1471216"/>
             <a:ext cx="1235531" cy="1408935"/>
             <a:chOff x="6506165" y="1516358"/>
             <a:chExt cx="1235531" cy="1408935"/>
@@ -3674,7 +3685,7 @@
         </p:nvSpPr>
         <p:spPr>
           <a:xfrm>
-            <a:off x="2694038" y="4591664"/>
+            <a:off x="3628103" y="4300716"/>
             <a:ext cx="2084439" cy="560439"/>
           </a:xfrm>
           <a:prstGeom prst="roundRect">
@@ -3710,6 +3721,13 @@
               <a:t>Producer</a:t>
             </a:r>
           </a:p>
+          <a:p>
+            <a:pPr algn="ctr"/>
+            <a:r>
+              <a:rPr lang="en-US" dirty="0"/>
+              <a:t>Crypto</a:t>
+            </a:r>
+          </a:p>
         </p:txBody>
       </p:sp>
       <p:sp>
@@ -3726,7 +3744,7 @@
         </p:nvSpPr>
         <p:spPr>
           <a:xfrm>
-            <a:off x="5471651" y="4591663"/>
+            <a:off x="6405716" y="4300715"/>
             <a:ext cx="2084439" cy="560439"/>
           </a:xfrm>
           <a:prstGeom prst="roundRect">
@@ -3778,7 +3796,7 @@
         </p:nvSpPr>
         <p:spPr>
           <a:xfrm>
-            <a:off x="4009878" y="5343029"/>
+            <a:off x="4943943" y="5052081"/>
             <a:ext cx="2294282" cy="307777"/>
           </a:xfrm>
           <a:prstGeom prst="rect">
@@ -3816,7 +3834,7 @@
         </p:nvCxnSpPr>
         <p:spPr>
           <a:xfrm rot="5400000" flipH="1" flipV="1">
-            <a:off x="3250829" y="2837721"/>
+            <a:off x="4184894" y="2546773"/>
             <a:ext cx="2239372" cy="1268515"/>
           </a:xfrm>
           <a:prstGeom prst="bentConnector2">
@@ -3858,7 +3876,7 @@
         </p:nvCxnSpPr>
         <p:spPr>
           <a:xfrm>
-            <a:off x="5624052" y="2352292"/>
+            <a:off x="6558117" y="2061344"/>
             <a:ext cx="889819" cy="2239371"/>
           </a:xfrm>
           <a:prstGeom prst="bentConnector2">
@@ -3866,6 +3884,240 @@
           </a:prstGeom>
           <a:ln>
             <a:tailEnd type="triangle" w="lg" len="lg"/>
+          </a:ln>
+        </p:spPr>
+        <p:style>
+          <a:lnRef idx="2">
+            <a:schemeClr val="accent1"/>
+          </a:lnRef>
+          <a:fillRef idx="0">
+            <a:schemeClr val="accent1"/>
+          </a:fillRef>
+          <a:effectRef idx="1">
+            <a:schemeClr val="accent1"/>
+          </a:effectRef>
+          <a:fontRef idx="minor">
+            <a:schemeClr val="tx1"/>
+          </a:fontRef>
+        </p:style>
+      </p:cxnSp>
+      <p:sp>
+        <p:nvSpPr>
+          <p:cNvPr id="2" name="Rectangle: Rounded Corners 1">
+            <a:extLst>
+              <a:ext uri="{FF2B5EF4-FFF2-40B4-BE49-F238E27FC236}">
+                <a16:creationId xmlns:a16="http://schemas.microsoft.com/office/drawing/2014/main" id="{44E2D5C7-7817-3FDD-0AC3-CA2224A64EDD}"/>
+              </a:ext>
+            </a:extLst>
+          </p:cNvPr>
+          <p:cNvSpPr/>
+          <p:nvPr/>
+        </p:nvSpPr>
+        <p:spPr>
+          <a:xfrm>
+            <a:off x="1338500" y="4300715"/>
+            <a:ext cx="2084439" cy="560439"/>
+          </a:xfrm>
+          <a:prstGeom prst="roundRect">
+            <a:avLst/>
+          </a:prstGeom>
+          <a:solidFill>
+            <a:schemeClr val="accent4"/>
+          </a:solidFill>
+        </p:spPr>
+        <p:style>
+          <a:lnRef idx="2">
+            <a:schemeClr val="accent1">
+              <a:shade val="15000"/>
+            </a:schemeClr>
+          </a:lnRef>
+          <a:fillRef idx="1">
+            <a:schemeClr val="accent1"/>
+          </a:fillRef>
+          <a:effectRef idx="0">
+            <a:schemeClr val="accent1"/>
+          </a:effectRef>
+          <a:fontRef idx="minor">
+            <a:schemeClr val="lt1"/>
+          </a:fontRef>
+        </p:style>
+        <p:txBody>
+          <a:bodyPr rtlCol="0" anchor="ctr"/>
+          <a:lstStyle/>
+          <a:p>
+            <a:pPr algn="ctr"/>
+            <a:r>
+              <a:rPr lang="en-US" dirty="0"/>
+              <a:t>Producer</a:t>
+            </a:r>
+          </a:p>
+          <a:p>
+            <a:pPr algn="ctr"/>
+            <a:r>
+              <a:rPr lang="en-US" dirty="0"/>
+              <a:t>Forex</a:t>
+            </a:r>
+          </a:p>
+        </p:txBody>
+      </p:sp>
+      <p:cxnSp>
+        <p:nvCxnSpPr>
+          <p:cNvPr id="3" name="Connector: Elbow 2">
+            <a:extLst>
+              <a:ext uri="{FF2B5EF4-FFF2-40B4-BE49-F238E27FC236}">
+                <a16:creationId xmlns:a16="http://schemas.microsoft.com/office/drawing/2014/main" id="{321D3B50-BB10-303B-44B2-0BA4255CC7EE}"/>
+              </a:ext>
+            </a:extLst>
+          </p:cNvPr>
+          <p:cNvCxnSpPr>
+            <a:cxnSpLocks/>
+            <a:stCxn id="2" idx="0"/>
+          </p:cNvCxnSpPr>
+          <p:nvPr/>
+        </p:nvCxnSpPr>
+        <p:spPr>
+          <a:xfrm rot="5400000" flipH="1" flipV="1">
+            <a:off x="3037177" y="1404890"/>
+            <a:ext cx="2239368" cy="3552282"/>
+          </a:xfrm>
+          <a:prstGeom prst="bentConnector2">
+            <a:avLst/>
+          </a:prstGeom>
+          <a:ln>
+            <a:tailEnd type="triangle" w="lg" len="lg"/>
+          </a:ln>
+        </p:spPr>
+        <p:style>
+          <a:lnRef idx="2">
+            <a:schemeClr val="accent1"/>
+          </a:lnRef>
+          <a:fillRef idx="0">
+            <a:schemeClr val="accent1"/>
+          </a:fillRef>
+          <a:effectRef idx="1">
+            <a:schemeClr val="accent1"/>
+          </a:effectRef>
+          <a:fontRef idx="minor">
+            <a:schemeClr val="tx1"/>
+          </a:fontRef>
+        </p:style>
+      </p:cxnSp>
+      <p:sp>
+        <p:nvSpPr>
+          <p:cNvPr id="7" name="Rectangle 6">
+            <a:extLst>
+              <a:ext uri="{FF2B5EF4-FFF2-40B4-BE49-F238E27FC236}">
+                <a16:creationId xmlns:a16="http://schemas.microsoft.com/office/drawing/2014/main" id="{BE7BA471-516E-ADF2-5626-F15A12AB6340}"/>
+              </a:ext>
+            </a:extLst>
+          </p:cNvPr>
+          <p:cNvSpPr/>
+          <p:nvPr/>
+        </p:nvSpPr>
+        <p:spPr>
+          <a:xfrm>
+            <a:off x="1338500" y="5694216"/>
+            <a:ext cx="4374042" cy="696191"/>
+          </a:xfrm>
+          <a:prstGeom prst="rect">
+            <a:avLst/>
+          </a:prstGeom>
+        </p:spPr>
+        <p:style>
+          <a:lnRef idx="2">
+            <a:schemeClr val="accent1">
+              <a:shade val="15000"/>
+            </a:schemeClr>
+          </a:lnRef>
+          <a:fillRef idx="1">
+            <a:schemeClr val="accent1"/>
+          </a:fillRef>
+          <a:effectRef idx="0">
+            <a:schemeClr val="accent1"/>
+          </a:effectRef>
+          <a:fontRef idx="minor">
+            <a:schemeClr val="lt1"/>
+          </a:fontRef>
+        </p:style>
+        <p:txBody>
+          <a:bodyPr rtlCol="0" anchor="ctr"/>
+          <a:lstStyle/>
+          <a:p>
+            <a:pPr algn="ctr"/>
+            <a:r>
+              <a:rPr lang="en-US" dirty="0"/>
+              <a:t>Trading Market Data Source</a:t>
+            </a:r>
+          </a:p>
+        </p:txBody>
+      </p:sp>
+      <p:cxnSp>
+        <p:nvCxnSpPr>
+          <p:cNvPr id="24" name="Connector: Elbow 23">
+            <a:extLst>
+              <a:ext uri="{FF2B5EF4-FFF2-40B4-BE49-F238E27FC236}">
+                <a16:creationId xmlns:a16="http://schemas.microsoft.com/office/drawing/2014/main" id="{47B3C655-996F-370B-443C-CD1EC166A66F}"/>
+              </a:ext>
+            </a:extLst>
+          </p:cNvPr>
+          <p:cNvCxnSpPr>
+            <a:stCxn id="7" idx="0"/>
+            <a:endCxn id="16" idx="2"/>
+          </p:cNvCxnSpPr>
+          <p:nvPr/>
+        </p:nvCxnSpPr>
+        <p:spPr>
+          <a:xfrm rot="5400000" flipH="1" flipV="1">
+            <a:off x="3681392" y="4705285"/>
+            <a:ext cx="833061" cy="1144802"/>
+          </a:xfrm>
+          <a:prstGeom prst="bentConnector3">
+            <a:avLst/>
+          </a:prstGeom>
+          <a:ln>
+            <a:tailEnd type="triangle"/>
+          </a:ln>
+        </p:spPr>
+        <p:style>
+          <a:lnRef idx="2">
+            <a:schemeClr val="accent1"/>
+          </a:lnRef>
+          <a:fillRef idx="0">
+            <a:schemeClr val="accent1"/>
+          </a:fillRef>
+          <a:effectRef idx="1">
+            <a:schemeClr val="accent1"/>
+          </a:effectRef>
+          <a:fontRef idx="minor">
+            <a:schemeClr val="tx1"/>
+          </a:fontRef>
+        </p:style>
+      </p:cxnSp>
+      <p:cxnSp>
+        <p:nvCxnSpPr>
+          <p:cNvPr id="26" name="Connector: Elbow 25">
+            <a:extLst>
+              <a:ext uri="{FF2B5EF4-FFF2-40B4-BE49-F238E27FC236}">
+                <a16:creationId xmlns:a16="http://schemas.microsoft.com/office/drawing/2014/main" id="{A05154F3-03B7-EB87-B5C0-05EDEE21D315}"/>
+              </a:ext>
+            </a:extLst>
+          </p:cNvPr>
+          <p:cNvCxnSpPr>
+            <a:stCxn id="7" idx="0"/>
+            <a:endCxn id="2" idx="2"/>
+          </p:cNvCxnSpPr>
+          <p:nvPr/>
+        </p:nvCxnSpPr>
+        <p:spPr>
+          <a:xfrm rot="16200000" flipV="1">
+            <a:off x="2536590" y="4705284"/>
+            <a:ext cx="833062" cy="1144801"/>
+          </a:xfrm>
+          <a:prstGeom prst="bentConnector3">
+            <a:avLst/>
+          </a:prstGeom>
+          <a:ln>
+            <a:tailEnd type="triangle"/>
           </a:ln>
         </p:spPr>
         <p:style>
@@ -3893,6 +4145,232 @@
   <p:clrMapOvr>
     <a:masterClrMapping/>
   </p:clrMapOvr>
+  <p:timing>
+    <p:tnLst>
+      <p:par>
+        <p:cTn id="1" dur="indefinite" restart="never" nodeType="tmRoot">
+          <p:childTnLst>
+            <p:seq concurrent="1" nextAc="seek">
+              <p:cTn id="2" dur="indefinite" nodeType="mainSeq">
+                <p:childTnLst>
+                  <p:par>
+                    <p:cTn id="3" fill="hold">
+                      <p:stCondLst>
+                        <p:cond delay="indefinite"/>
+                        <p:cond evt="onBegin" delay="0">
+                          <p:tn val="2"/>
+                        </p:cond>
+                      </p:stCondLst>
+                      <p:childTnLst>
+                        <p:par>
+                          <p:cTn id="4" fill="hold">
+                            <p:stCondLst>
+                              <p:cond delay="0"/>
+                            </p:stCondLst>
+                            <p:childTnLst>
+                              <p:par>
+                                <p:cTn id="5" presetID="22" presetClass="entr" presetSubtype="4" repeatCount="indefinite" fill="hold" nodeType="withEffect">
+                                  <p:stCondLst>
+                                    <p:cond delay="0"/>
+                                  </p:stCondLst>
+                                  <p:childTnLst>
+                                    <p:set>
+                                      <p:cBhvr>
+                                        <p:cTn id="6" dur="1" fill="hold">
+                                          <p:stCondLst>
+                                            <p:cond delay="0"/>
+                                          </p:stCondLst>
+                                        </p:cTn>
+                                        <p:tgtEl>
+                                          <p:spTgt spid="21"/>
+                                        </p:tgtEl>
+                                        <p:attrNameLst>
+                                          <p:attrName>style.visibility</p:attrName>
+                                        </p:attrNameLst>
+                                      </p:cBhvr>
+                                      <p:to>
+                                        <p:strVal val="visible"/>
+                                      </p:to>
+                                    </p:set>
+                                    <p:animEffect transition="in" filter="wipe(down)">
+                                      <p:cBhvr>
+                                        <p:cTn id="7" dur="1000"/>
+                                        <p:tgtEl>
+                                          <p:spTgt spid="21"/>
+                                        </p:tgtEl>
+                                      </p:cBhvr>
+                                    </p:animEffect>
+                                  </p:childTnLst>
+                                </p:cTn>
+                              </p:par>
+                              <p:par>
+                                <p:cTn id="8" presetID="22" presetClass="entr" presetSubtype="1" repeatCount="indefinite" fill="hold" nodeType="withEffect">
+                                  <p:stCondLst>
+                                    <p:cond delay="0"/>
+                                  </p:stCondLst>
+                                  <p:childTnLst>
+                                    <p:set>
+                                      <p:cBhvr>
+                                        <p:cTn id="9" dur="1" fill="hold">
+                                          <p:stCondLst>
+                                            <p:cond delay="0"/>
+                                          </p:stCondLst>
+                                        </p:cTn>
+                                        <p:tgtEl>
+                                          <p:spTgt spid="27"/>
+                                        </p:tgtEl>
+                                        <p:attrNameLst>
+                                          <p:attrName>style.visibility</p:attrName>
+                                        </p:attrNameLst>
+                                      </p:cBhvr>
+                                      <p:to>
+                                        <p:strVal val="visible"/>
+                                      </p:to>
+                                    </p:set>
+                                    <p:animEffect transition="in" filter="wipe(up)">
+                                      <p:cBhvr>
+                                        <p:cTn id="10" dur="1000"/>
+                                        <p:tgtEl>
+                                          <p:spTgt spid="27"/>
+                                        </p:tgtEl>
+                                      </p:cBhvr>
+                                    </p:animEffect>
+                                  </p:childTnLst>
+                                </p:cTn>
+                              </p:par>
+                              <p:par>
+                                <p:cTn id="11" presetID="22" presetClass="entr" presetSubtype="4" repeatCount="indefinite" fill="hold" nodeType="withEffect">
+                                  <p:stCondLst>
+                                    <p:cond delay="0"/>
+                                  </p:stCondLst>
+                                  <p:childTnLst>
+                                    <p:set>
+                                      <p:cBhvr>
+                                        <p:cTn id="12" dur="1" fill="hold">
+                                          <p:stCondLst>
+                                            <p:cond delay="0"/>
+                                          </p:stCondLst>
+                                        </p:cTn>
+                                        <p:tgtEl>
+                                          <p:spTgt spid="3"/>
+                                        </p:tgtEl>
+                                        <p:attrNameLst>
+                                          <p:attrName>style.visibility</p:attrName>
+                                        </p:attrNameLst>
+                                      </p:cBhvr>
+                                      <p:to>
+                                        <p:strVal val="visible"/>
+                                      </p:to>
+                                    </p:set>
+                                    <p:animEffect transition="in" filter="wipe(down)">
+                                      <p:cBhvr>
+                                        <p:cTn id="13" dur="1000"/>
+                                        <p:tgtEl>
+                                          <p:spTgt spid="3"/>
+                                        </p:tgtEl>
+                                      </p:cBhvr>
+                                    </p:animEffect>
+                                  </p:childTnLst>
+                                </p:cTn>
+                              </p:par>
+                              <p:par>
+                                <p:cTn id="14" presetID="22" presetClass="entr" presetSubtype="4" repeatCount="indefinite" fill="hold" nodeType="withEffect">
+                                  <p:stCondLst>
+                                    <p:cond delay="0"/>
+                                  </p:stCondLst>
+                                  <p:childTnLst>
+                                    <p:set>
+                                      <p:cBhvr>
+                                        <p:cTn id="15" dur="1" fill="hold">
+                                          <p:stCondLst>
+                                            <p:cond delay="0"/>
+                                          </p:stCondLst>
+                                        </p:cTn>
+                                        <p:tgtEl>
+                                          <p:spTgt spid="26"/>
+                                        </p:tgtEl>
+                                        <p:attrNameLst>
+                                          <p:attrName>style.visibility</p:attrName>
+                                        </p:attrNameLst>
+                                      </p:cBhvr>
+                                      <p:to>
+                                        <p:strVal val="visible"/>
+                                      </p:to>
+                                    </p:set>
+                                    <p:animEffect transition="in" filter="wipe(down)">
+                                      <p:cBhvr>
+                                        <p:cTn id="16" dur="1000"/>
+                                        <p:tgtEl>
+                                          <p:spTgt spid="26"/>
+                                        </p:tgtEl>
+                                      </p:cBhvr>
+                                    </p:animEffect>
+                                  </p:childTnLst>
+                                </p:cTn>
+                              </p:par>
+                              <p:par>
+                                <p:cTn id="17" presetID="22" presetClass="entr" presetSubtype="4" repeatCount="indefinite" fill="hold" nodeType="withEffect">
+                                  <p:stCondLst>
+                                    <p:cond delay="0"/>
+                                  </p:stCondLst>
+                                  <p:childTnLst>
+                                    <p:set>
+                                      <p:cBhvr>
+                                        <p:cTn id="18" dur="1" fill="hold">
+                                          <p:stCondLst>
+                                            <p:cond delay="0"/>
+                                          </p:stCondLst>
+                                        </p:cTn>
+                                        <p:tgtEl>
+                                          <p:spTgt spid="24"/>
+                                        </p:tgtEl>
+                                        <p:attrNameLst>
+                                          <p:attrName>style.visibility</p:attrName>
+                                        </p:attrNameLst>
+                                      </p:cBhvr>
+                                      <p:to>
+                                        <p:strVal val="visible"/>
+                                      </p:to>
+                                    </p:set>
+                                    <p:animEffect transition="in" filter="wipe(down)">
+                                      <p:cBhvr>
+                                        <p:cTn id="19" dur="1000"/>
+                                        <p:tgtEl>
+                                          <p:spTgt spid="24"/>
+                                        </p:tgtEl>
+                                      </p:cBhvr>
+                                    </p:animEffect>
+                                  </p:childTnLst>
+                                </p:cTn>
+                              </p:par>
+                            </p:childTnLst>
+                          </p:cTn>
+                        </p:par>
+                      </p:childTnLst>
+                    </p:cTn>
+                  </p:par>
+                </p:childTnLst>
+              </p:cTn>
+              <p:prevCondLst>
+                <p:cond evt="onPrev" delay="0">
+                  <p:tgtEl>
+                    <p:sldTgt/>
+                  </p:tgtEl>
+                </p:cond>
+              </p:prevCondLst>
+              <p:nextCondLst>
+                <p:cond evt="onNext" delay="0">
+                  <p:tgtEl>
+                    <p:sldTgt/>
+                  </p:tgtEl>
+                </p:cond>
+              </p:nextCondLst>
+            </p:seq>
+          </p:childTnLst>
+        </p:cTn>
+      </p:par>
+    </p:tnLst>
+  </p:timing>
 </p:sld>
 </file>
 
